--- a/docs/ResetBudget.pptx
+++ b/docs/ResetBudget.pptx
@@ -129,13 +129,189 @@
 <file path=ppt/revisionInfo.xml><?xml version="1.0" encoding="utf-8"?>
 <p1510:revInfo xmlns:a="http://schemas.openxmlformats.org/drawingml/2006/main" xmlns:r="http://schemas.openxmlformats.org/officeDocument/2006/relationships" xmlns:p1510="http://schemas.microsoft.com/office/powerpoint/2015/10/main">
   <p1510:revLst>
-    <p1510:client id="{063B9FE9-2ED3-4563-A0E4-AB1A1E4D34FB}" v="24" dt="2020-03-23T07:24:27.431"/>
+    <p1510:client id="{8AB41856-339F-45E1-A1E4-3E52E8A50EA7}" v="2" dt="2020-04-02T13:14:35.880"/>
   </p1510:revLst>
 </p1510:revInfo>
 </file>
 
 <file path=ppt/changesInfos/changesInfo1.xml><?xml version="1.0" encoding="utf-8"?>
 <pc:chgInfo xmlns:a="http://schemas.openxmlformats.org/drawingml/2006/main" xmlns:r="http://schemas.openxmlformats.org/officeDocument/2006/relationships" xmlns:ac="http://schemas.microsoft.com/office/drawing/2013/main/command" xmlns:pc="http://schemas.microsoft.com/office/powerpoint/2013/main/command">
+  <pc:docChgLst>
+    <pc:chgData name="Shannon Wong" userId="8c83f3d3550a5322" providerId="LiveId" clId="{8AB41856-339F-45E1-A1E4-3E52E8A50EA7}"/>
+    <pc:docChg chg="custSel modSld">
+      <pc:chgData name="Shannon Wong" userId="8c83f3d3550a5322" providerId="LiveId" clId="{8AB41856-339F-45E1-A1E4-3E52E8A50EA7}" dt="2020-04-02T13:26:50.727" v="52" actId="14100"/>
+      <pc:docMkLst>
+        <pc:docMk/>
+      </pc:docMkLst>
+      <pc:sldChg chg="addSp delSp modSp delAnim modAnim">
+        <pc:chgData name="Shannon Wong" userId="8c83f3d3550a5322" providerId="LiveId" clId="{8AB41856-339F-45E1-A1E4-3E52E8A50EA7}" dt="2020-04-02T13:26:50.727" v="52" actId="14100"/>
+        <pc:sldMkLst>
+          <pc:docMk/>
+          <pc:sldMk cId="3228498101" sldId="269"/>
+        </pc:sldMkLst>
+        <pc:spChg chg="mod">
+          <ac:chgData name="Shannon Wong" userId="8c83f3d3550a5322" providerId="LiveId" clId="{8AB41856-339F-45E1-A1E4-3E52E8A50EA7}" dt="2020-04-02T13:25:57.383" v="43" actId="14100"/>
+          <ac:spMkLst>
+            <pc:docMk/>
+            <pc:sldMk cId="3228498101" sldId="269"/>
+            <ac:spMk id="5" creationId="{00000000-0000-0000-0000-000000000000}"/>
+          </ac:spMkLst>
+        </pc:spChg>
+        <pc:spChg chg="del">
+          <ac:chgData name="Shannon Wong" userId="8c83f3d3550a5322" providerId="LiveId" clId="{8AB41856-339F-45E1-A1E4-3E52E8A50EA7}" dt="2020-04-02T13:04:18.897" v="0" actId="478"/>
+          <ac:spMkLst>
+            <pc:docMk/>
+            <pc:sldMk cId="3228498101" sldId="269"/>
+            <ac:spMk id="17" creationId="{00000000-0000-0000-0000-000000000000}"/>
+          </ac:spMkLst>
+        </pc:spChg>
+        <pc:spChg chg="mod">
+          <ac:chgData name="Shannon Wong" userId="8c83f3d3550a5322" providerId="LiveId" clId="{8AB41856-339F-45E1-A1E4-3E52E8A50EA7}" dt="2020-04-02T13:26:50.727" v="52" actId="14100"/>
+          <ac:spMkLst>
+            <pc:docMk/>
+            <pc:sldMk cId="3228498101" sldId="269"/>
+            <ac:spMk id="19" creationId="{00000000-0000-0000-0000-000000000000}"/>
+          </ac:spMkLst>
+        </pc:spChg>
+        <pc:spChg chg="mod">
+          <ac:chgData name="Shannon Wong" userId="8c83f3d3550a5322" providerId="LiveId" clId="{8AB41856-339F-45E1-A1E4-3E52E8A50EA7}" dt="2020-04-02T13:26:02.200" v="44" actId="14100"/>
+          <ac:spMkLst>
+            <pc:docMk/>
+            <pc:sldMk cId="3228498101" sldId="269"/>
+            <ac:spMk id="20" creationId="{00000000-0000-0000-0000-000000000000}"/>
+          </ac:spMkLst>
+        </pc:spChg>
+        <pc:spChg chg="mod">
+          <ac:chgData name="Shannon Wong" userId="8c83f3d3550a5322" providerId="LiveId" clId="{8AB41856-339F-45E1-A1E4-3E52E8A50EA7}" dt="2020-04-02T13:26:16.739" v="46" actId="14100"/>
+          <ac:spMkLst>
+            <pc:docMk/>
+            <pc:sldMk cId="3228498101" sldId="269"/>
+            <ac:spMk id="24" creationId="{00000000-0000-0000-0000-000000000000}"/>
+          </ac:spMkLst>
+        </pc:spChg>
+        <pc:spChg chg="mod">
+          <ac:chgData name="Shannon Wong" userId="8c83f3d3550a5322" providerId="LiveId" clId="{8AB41856-339F-45E1-A1E4-3E52E8A50EA7}" dt="2020-04-02T13:04:54.106" v="5" actId="1037"/>
+          <ac:spMkLst>
+            <pc:docMk/>
+            <pc:sldMk cId="3228498101" sldId="269"/>
+            <ac:spMk id="25" creationId="{00000000-0000-0000-0000-000000000000}"/>
+          </ac:spMkLst>
+        </pc:spChg>
+        <pc:spChg chg="add mod">
+          <ac:chgData name="Shannon Wong" userId="8c83f3d3550a5322" providerId="LiveId" clId="{8AB41856-339F-45E1-A1E4-3E52E8A50EA7}" dt="2020-04-02T13:26:39.498" v="50" actId="14100"/>
+          <ac:spMkLst>
+            <pc:docMk/>
+            <pc:sldMk cId="3228498101" sldId="269"/>
+            <ac:spMk id="30" creationId="{B478C78B-23E2-4109-AA21-0CDB391AD9A6}"/>
+          </ac:spMkLst>
+        </pc:spChg>
+        <pc:spChg chg="add mod">
+          <ac:chgData name="Shannon Wong" userId="8c83f3d3550a5322" providerId="LiveId" clId="{8AB41856-339F-45E1-A1E4-3E52E8A50EA7}" dt="2020-04-02T13:26:31.426" v="48" actId="14100"/>
+          <ac:spMkLst>
+            <pc:docMk/>
+            <pc:sldMk cId="3228498101" sldId="269"/>
+            <ac:spMk id="31" creationId="{876CDD5A-5C60-447B-86F0-DB90F3CF3B83}"/>
+          </ac:spMkLst>
+        </pc:spChg>
+        <pc:spChg chg="mod">
+          <ac:chgData name="Shannon Wong" userId="8c83f3d3550a5322" providerId="LiveId" clId="{8AB41856-339F-45E1-A1E4-3E52E8A50EA7}" dt="2020-04-02T13:26:46.773" v="51" actId="14100"/>
+          <ac:spMkLst>
+            <pc:docMk/>
+            <pc:sldMk cId="3228498101" sldId="269"/>
+            <ac:spMk id="33" creationId="{00000000-0000-0000-0000-000000000000}"/>
+          </ac:spMkLst>
+        </pc:spChg>
+        <pc:spChg chg="mod">
+          <ac:chgData name="Shannon Wong" userId="8c83f3d3550a5322" providerId="LiveId" clId="{8AB41856-339F-45E1-A1E4-3E52E8A50EA7}" dt="2020-04-02T13:26:05.523" v="45" actId="14100"/>
+          <ac:spMkLst>
+            <pc:docMk/>
+            <pc:sldMk cId="3228498101" sldId="269"/>
+            <ac:spMk id="34" creationId="{00000000-0000-0000-0000-000000000000}"/>
+          </ac:spMkLst>
+        </pc:spChg>
+        <pc:spChg chg="del">
+          <ac:chgData name="Shannon Wong" userId="8c83f3d3550a5322" providerId="LiveId" clId="{8AB41856-339F-45E1-A1E4-3E52E8A50EA7}" dt="2020-04-02T13:05:10.683" v="8" actId="478"/>
+          <ac:spMkLst>
+            <pc:docMk/>
+            <pc:sldMk cId="3228498101" sldId="269"/>
+            <ac:spMk id="40" creationId="{00000000-0000-0000-0000-000000000000}"/>
+          </ac:spMkLst>
+        </pc:spChg>
+        <pc:spChg chg="del">
+          <ac:chgData name="Shannon Wong" userId="8c83f3d3550a5322" providerId="LiveId" clId="{8AB41856-339F-45E1-A1E4-3E52E8A50EA7}" dt="2020-04-02T13:04:41.752" v="3" actId="478"/>
+          <ac:spMkLst>
+            <pc:docMk/>
+            <pc:sldMk cId="3228498101" sldId="269"/>
+            <ac:spMk id="44" creationId="{1ABAE2EE-0C6F-40C9-9F83-C6E45146189B}"/>
+          </ac:spMkLst>
+        </pc:spChg>
+        <pc:spChg chg="mod">
+          <ac:chgData name="Shannon Wong" userId="8c83f3d3550a5322" providerId="LiveId" clId="{8AB41856-339F-45E1-A1E4-3E52E8A50EA7}" dt="2020-04-02T13:26:21.905" v="47" actId="14100"/>
+          <ac:spMkLst>
+            <pc:docMk/>
+            <pc:sldMk cId="3228498101" sldId="269"/>
+            <ac:spMk id="45" creationId="{0EB24DA8-2498-4853-AED4-3458A81C456A}"/>
+          </ac:spMkLst>
+        </pc:spChg>
+        <pc:spChg chg="mod">
+          <ac:chgData name="Shannon Wong" userId="8c83f3d3550a5322" providerId="LiveId" clId="{8AB41856-339F-45E1-A1E4-3E52E8A50EA7}" dt="2020-04-02T13:26:35.491" v="49" actId="14100"/>
+          <ac:spMkLst>
+            <pc:docMk/>
+            <pc:sldMk cId="3228498101" sldId="269"/>
+            <ac:spMk id="46" creationId="{9BC66A45-C94A-4E62-8981-39EC5DACDD6D}"/>
+          </ac:spMkLst>
+        </pc:spChg>
+        <pc:spChg chg="mod">
+          <ac:chgData name="Shannon Wong" userId="8c83f3d3550a5322" providerId="LiveId" clId="{8AB41856-339F-45E1-A1E4-3E52E8A50EA7}" dt="2020-04-02T13:05:04.977" v="7" actId="1037"/>
+          <ac:spMkLst>
+            <pc:docMk/>
+            <pc:sldMk cId="3228498101" sldId="269"/>
+            <ac:spMk id="47" creationId="{342B431E-151F-4A55-A1AE-57F6FE56D1EF}"/>
+          </ac:spMkLst>
+        </pc:spChg>
+        <pc:spChg chg="mod">
+          <ac:chgData name="Shannon Wong" userId="8c83f3d3550a5322" providerId="LiveId" clId="{8AB41856-339F-45E1-A1E4-3E52E8A50EA7}" dt="2020-04-02T13:13:35.493" v="14" actId="14100"/>
+          <ac:spMkLst>
+            <pc:docMk/>
+            <pc:sldMk cId="3228498101" sldId="269"/>
+            <ac:spMk id="48" creationId="{5278BFBC-6FA4-432C-994E-8DD2A55ED046}"/>
+          </ac:spMkLst>
+        </pc:spChg>
+        <pc:spChg chg="mod">
+          <ac:chgData name="Shannon Wong" userId="8c83f3d3550a5322" providerId="LiveId" clId="{8AB41856-339F-45E1-A1E4-3E52E8A50EA7}" dt="2020-04-02T13:15:13.567" v="29" actId="14100"/>
+          <ac:spMkLst>
+            <pc:docMk/>
+            <pc:sldMk cId="3228498101" sldId="269"/>
+            <ac:spMk id="52" creationId="{C30F3633-BE5D-441D-9C87-D00C0DFC3E6D}"/>
+          </ac:spMkLst>
+        </pc:spChg>
+        <pc:spChg chg="del">
+          <ac:chgData name="Shannon Wong" userId="8c83f3d3550a5322" providerId="LiveId" clId="{8AB41856-339F-45E1-A1E4-3E52E8A50EA7}" dt="2020-04-02T13:13:19.510" v="11" actId="478"/>
+          <ac:spMkLst>
+            <pc:docMk/>
+            <pc:sldMk cId="3228498101" sldId="269"/>
+            <ac:spMk id="53" creationId="{E7397DF1-A503-43B8-9D46-710440F45D61}"/>
+          </ac:spMkLst>
+        </pc:spChg>
+        <pc:cxnChg chg="mod">
+          <ac:chgData name="Shannon Wong" userId="8c83f3d3550a5322" providerId="LiveId" clId="{8AB41856-339F-45E1-A1E4-3E52E8A50EA7}" dt="2020-04-02T13:15:40.427" v="40" actId="1076"/>
+          <ac:cxnSpMkLst>
+            <pc:docMk/>
+            <pc:sldMk cId="3228498101" sldId="269"/>
+            <ac:cxnSpMk id="54" creationId="{BB6AEF2A-70C0-4C86-ACC0-ED4823D6AC46}"/>
+          </ac:cxnSpMkLst>
+        </pc:cxnChg>
+        <pc:cxnChg chg="mod">
+          <ac:chgData name="Shannon Wong" userId="8c83f3d3550a5322" providerId="LiveId" clId="{8AB41856-339F-45E1-A1E4-3E52E8A50EA7}" dt="2020-04-02T13:15:40.427" v="40" actId="1076"/>
+          <ac:cxnSpMkLst>
+            <pc:docMk/>
+            <pc:sldMk cId="3228498101" sldId="269"/>
+            <ac:cxnSpMk id="55" creationId="{9664B067-90B9-447F-947E-62F78A316229}"/>
+          </ac:cxnSpMkLst>
+        </pc:cxnChg>
+      </pc:sldChg>
+    </pc:docChg>
+  </pc:docChgLst>
   <pc:docChgLst>
     <pc:chgData name="Shannon Wong" userId="8c83f3d3550a5322" providerId="LiveId" clId="{3E6AA5E5-95B7-46FB-B06D-94041AC663E5}"/>
     <pc:docChg chg="modSld">
@@ -357,7 +533,7 @@
           <a:p>
             <a:fld id="{9629A0FB-7277-41B0-BEC2-EE35F8B0CE39}" type="datetimeFigureOut">
               <a:rPr lang="en-SG" smtClean="0"/>
-              <a:t>23/3/2020</a:t>
+              <a:t>2/4/2020</a:t>
             </a:fld>
             <a:endParaRPr lang="en-SG"/>
           </a:p>
@@ -3979,8 +4155,8 @@
         </p:nvSpPr>
         <p:spPr bwMode="auto">
           <a:xfrm>
-            <a:off x="728768" y="1440950"/>
-            <a:ext cx="10115" cy="3904336"/>
+            <a:off x="728767" y="1440949"/>
+            <a:ext cx="0" cy="4502539"/>
           </a:xfrm>
           <a:prstGeom prst="line">
             <a:avLst/>
@@ -4096,62 +4272,6 @@
       </p:sp>
       <p:sp>
         <p:nvSpPr>
-          <p:cNvPr id="17" name="Rectangle 16"/>
-          <p:cNvSpPr/>
-          <p:nvPr/>
-        </p:nvSpPr>
-        <p:spPr>
-          <a:xfrm>
-            <a:off x="603890" y="1721228"/>
-            <a:ext cx="225619" cy="3348432"/>
-          </a:xfrm>
-          <a:prstGeom prst="rect">
-            <a:avLst/>
-          </a:prstGeom>
-          <a:solidFill>
-            <a:schemeClr val="accent2">
-              <a:lumMod val="40000"/>
-              <a:lumOff val="60000"/>
-            </a:schemeClr>
-          </a:solidFill>
-          <a:ln>
-            <a:solidFill>
-              <a:schemeClr val="accent2">
-                <a:lumMod val="60000"/>
-                <a:lumOff val="40000"/>
-              </a:schemeClr>
-            </a:solidFill>
-          </a:ln>
-        </p:spPr>
-        <p:style>
-          <a:lnRef idx="2">
-            <a:schemeClr val="accent4"/>
-          </a:lnRef>
-          <a:fillRef idx="1">
-            <a:schemeClr val="lt1"/>
-          </a:fillRef>
-          <a:effectRef idx="0">
-            <a:schemeClr val="accent4"/>
-          </a:effectRef>
-          <a:fontRef idx="minor">
-            <a:schemeClr val="dk1"/>
-          </a:fontRef>
-        </p:style>
-        <p:txBody>
-          <a:bodyPr rtlCol="0" anchor="ctr"/>
-          <a:lstStyle/>
-          <a:p>
-            <a:pPr algn="ctr" defTabSz="872733"/>
-            <a:endParaRPr lang="en-US" sz="1500">
-              <a:solidFill>
-                <a:prstClr val="black"/>
-              </a:solidFill>
-            </a:endParaRPr>
-          </a:p>
-        </p:txBody>
-      </p:sp>
-      <p:sp>
-        <p:nvSpPr>
           <p:cNvPr id="18" name="Text Box 11"/>
           <p:cNvSpPr txBox="1">
             <a:spLocks noChangeArrowheads="1"/>
@@ -4233,7 +4353,7 @@
         <p:spPr bwMode="auto">
           <a:xfrm flipH="1">
             <a:off x="3018095" y="2137789"/>
-            <a:ext cx="8589" cy="1590924"/>
+            <a:ext cx="0" cy="1590924"/>
           </a:xfrm>
           <a:prstGeom prst="line">
             <a:avLst/>
@@ -4285,9 +4405,9 @@
           <p:nvPr/>
         </p:nvSpPr>
         <p:spPr bwMode="auto">
-          <a:xfrm flipV="1">
-            <a:off x="823868" y="1898263"/>
-            <a:ext cx="1747815" cy="12191"/>
+          <a:xfrm>
+            <a:off x="728768" y="1886499"/>
+            <a:ext cx="1842915" cy="0"/>
           </a:xfrm>
           <a:prstGeom prst="line">
             <a:avLst/>
@@ -4373,8 +4493,8 @@
         </p:nvSpPr>
         <p:spPr bwMode="auto">
           <a:xfrm flipV="1">
-            <a:off x="3194466" y="3112677"/>
-            <a:ext cx="1954319" cy="8543"/>
+            <a:off x="3016466" y="3112676"/>
+            <a:ext cx="2132320" cy="0"/>
           </a:xfrm>
           <a:prstGeom prst="line">
             <a:avLst/>
@@ -4414,7 +4534,7 @@
         </p:nvSpPr>
         <p:spPr bwMode="auto">
           <a:xfrm>
-            <a:off x="808004" y="2320801"/>
+            <a:off x="762000" y="2320801"/>
             <a:ext cx="2500554" cy="323165"/>
           </a:xfrm>
           <a:prstGeom prst="rect">
@@ -4519,8 +4639,8 @@
         </p:nvSpPr>
         <p:spPr bwMode="auto">
           <a:xfrm flipH="1">
-            <a:off x="6053498" y="3383184"/>
-            <a:ext cx="4560" cy="1893221"/>
+            <a:off x="6036149" y="3383184"/>
+            <a:ext cx="0" cy="1950816"/>
           </a:xfrm>
           <a:prstGeom prst="line">
             <a:avLst/>
@@ -4572,9 +4692,9 @@
           <p:nvPr/>
         </p:nvSpPr>
         <p:spPr bwMode="auto">
-          <a:xfrm flipV="1">
-            <a:off x="863760" y="2696243"/>
-            <a:ext cx="2040971" cy="1"/>
+          <a:xfrm>
+            <a:off x="728768" y="2704184"/>
+            <a:ext cx="2287698" cy="0"/>
           </a:xfrm>
           <a:prstGeom prst="line">
             <a:avLst/>
@@ -4643,61 +4763,6 @@
               <a:rPr lang="en-US" sz="1500" i="1" dirty="0"/>
               <a:t>Parser()</a:t>
             </a:r>
-          </a:p>
-        </p:txBody>
-      </p:sp>
-      <p:sp>
-        <p:nvSpPr>
-          <p:cNvPr id="40" name="Rectangle 39"/>
-          <p:cNvSpPr/>
-          <p:nvPr/>
-        </p:nvSpPr>
-        <p:spPr>
-          <a:xfrm>
-            <a:off x="5932378" y="3982262"/>
-            <a:ext cx="251361" cy="878804"/>
-          </a:xfrm>
-          <a:prstGeom prst="rect">
-            <a:avLst/>
-          </a:prstGeom>
-          <a:solidFill>
-            <a:schemeClr val="accent3">
-              <a:lumMod val="20000"/>
-              <a:lumOff val="80000"/>
-            </a:schemeClr>
-          </a:solidFill>
-          <a:ln>
-            <a:solidFill>
-              <a:schemeClr val="accent3">
-                <a:lumMod val="75000"/>
-              </a:schemeClr>
-            </a:solidFill>
-          </a:ln>
-        </p:spPr>
-        <p:style>
-          <a:lnRef idx="2">
-            <a:schemeClr val="accent4"/>
-          </a:lnRef>
-          <a:fillRef idx="1">
-            <a:schemeClr val="lt1"/>
-          </a:fillRef>
-          <a:effectRef idx="0">
-            <a:schemeClr val="accent4"/>
-          </a:effectRef>
-          <a:fontRef idx="minor">
-            <a:schemeClr val="dk1"/>
-          </a:fontRef>
-        </p:style>
-        <p:txBody>
-          <a:bodyPr rtlCol="0" anchor="ctr"/>
-          <a:lstStyle/>
-          <a:p>
-            <a:pPr algn="ctr" defTabSz="872733"/>
-            <a:endParaRPr lang="en-US" sz="1500">
-              <a:solidFill>
-                <a:prstClr val="black"/>
-              </a:solidFill>
-            </a:endParaRPr>
           </a:p>
         </p:txBody>
       </p:sp>
@@ -4860,67 +4925,6 @@
       </p:sp>
       <p:sp>
         <p:nvSpPr>
-          <p:cNvPr id="44" name="Rectangle 43">
-            <a:extLst>
-              <a:ext uri="{FF2B5EF4-FFF2-40B4-BE49-F238E27FC236}">
-                <a16:creationId xmlns:a16="http://schemas.microsoft.com/office/drawing/2014/main" id="{1ABAE2EE-0C6F-40C9-9F83-C6E45146189B}"/>
-              </a:ext>
-            </a:extLst>
-          </p:cNvPr>
-          <p:cNvSpPr/>
-          <p:nvPr/>
-        </p:nvSpPr>
-        <p:spPr>
-          <a:xfrm>
-            <a:off x="2888219" y="2698465"/>
-            <a:ext cx="286905" cy="893938"/>
-          </a:xfrm>
-          <a:prstGeom prst="rect">
-            <a:avLst/>
-          </a:prstGeom>
-          <a:solidFill>
-            <a:schemeClr val="accent4">
-              <a:lumMod val="40000"/>
-              <a:lumOff val="60000"/>
-            </a:schemeClr>
-          </a:solidFill>
-          <a:ln>
-            <a:solidFill>
-              <a:schemeClr val="accent4">
-                <a:lumMod val="75000"/>
-              </a:schemeClr>
-            </a:solidFill>
-          </a:ln>
-        </p:spPr>
-        <p:style>
-          <a:lnRef idx="2">
-            <a:schemeClr val="accent4"/>
-          </a:lnRef>
-          <a:fillRef idx="1">
-            <a:schemeClr val="lt1"/>
-          </a:fillRef>
-          <a:effectRef idx="0">
-            <a:schemeClr val="accent4"/>
-          </a:effectRef>
-          <a:fontRef idx="minor">
-            <a:schemeClr val="dk1"/>
-          </a:fontRef>
-        </p:style>
-        <p:txBody>
-          <a:bodyPr rtlCol="0" anchor="ctr"/>
-          <a:lstStyle/>
-          <a:p>
-            <a:pPr algn="ctr" defTabSz="872733"/>
-            <a:endParaRPr lang="en-US" sz="1500">
-              <a:solidFill>
-                <a:prstClr val="black"/>
-              </a:solidFill>
-            </a:endParaRPr>
-          </a:p>
-        </p:txBody>
-      </p:sp>
-      <p:sp>
-        <p:nvSpPr>
           <p:cNvPr id="45" name="Line 15">
             <a:extLst>
               <a:ext uri="{FF2B5EF4-FFF2-40B4-BE49-F238E27FC236}">
@@ -4934,9 +4938,9 @@
           <p:nvPr/>
         </p:nvSpPr>
         <p:spPr bwMode="auto">
-          <a:xfrm>
-            <a:off x="863760" y="3984166"/>
-            <a:ext cx="5050739" cy="16958"/>
+          <a:xfrm flipV="1">
+            <a:off x="728768" y="4008758"/>
+            <a:ext cx="5310608" cy="0"/>
           </a:xfrm>
           <a:prstGeom prst="line">
             <a:avLst/>
@@ -4981,9 +4985,9 @@
           <p:nvPr/>
         </p:nvSpPr>
         <p:spPr bwMode="auto">
-          <a:xfrm>
-            <a:off x="6180352" y="4274530"/>
-            <a:ext cx="1823647" cy="10465"/>
+          <a:xfrm flipV="1">
+            <a:off x="6036149" y="4295814"/>
+            <a:ext cx="2116147" cy="0"/>
           </a:xfrm>
           <a:prstGeom prst="line">
             <a:avLst/>
@@ -5029,7 +5033,7 @@
         </p:nvSpPr>
         <p:spPr bwMode="auto">
           <a:xfrm>
-            <a:off x="3124200" y="2801035"/>
+            <a:off x="3048000" y="2801035"/>
             <a:ext cx="2075383" cy="320185"/>
           </a:xfrm>
           <a:prstGeom prst="rect">
@@ -5083,8 +5087,8 @@
         </p:nvSpPr>
         <p:spPr bwMode="auto">
           <a:xfrm flipH="1">
-            <a:off x="852246" y="3573169"/>
-            <a:ext cx="2016629" cy="7945"/>
+            <a:off x="761998" y="3565198"/>
+            <a:ext cx="2254467" cy="27"/>
           </a:xfrm>
           <a:prstGeom prst="line">
             <a:avLst/>
@@ -5264,9 +5268,9 @@
           <p:nvPr/>
         </p:nvSpPr>
         <p:spPr bwMode="auto">
-          <a:xfrm>
-            <a:off x="8152313" y="3702372"/>
-            <a:ext cx="0" cy="1605048"/>
+          <a:xfrm flipH="1">
+            <a:off x="8152288" y="3702372"/>
+            <a:ext cx="25" cy="2241116"/>
           </a:xfrm>
           <a:prstGeom prst="line">
             <a:avLst/>
@@ -5309,66 +5313,6 @@
           </a:p>
         </p:txBody>
       </p:sp>
-      <p:sp>
-        <p:nvSpPr>
-          <p:cNvPr id="53" name="Rectangle 52">
-            <a:extLst>
-              <a:ext uri="{FF2B5EF4-FFF2-40B4-BE49-F238E27FC236}">
-                <a16:creationId xmlns:a16="http://schemas.microsoft.com/office/drawing/2014/main" id="{E7397DF1-A503-43B8-9D46-710440F45D61}"/>
-              </a:ext>
-            </a:extLst>
-          </p:cNvPr>
-          <p:cNvSpPr/>
-          <p:nvPr/>
-        </p:nvSpPr>
-        <p:spPr>
-          <a:xfrm>
-            <a:off x="8026632" y="4284995"/>
-            <a:ext cx="251361" cy="697392"/>
-          </a:xfrm>
-          <a:prstGeom prst="rect">
-            <a:avLst/>
-          </a:prstGeom>
-          <a:solidFill>
-            <a:schemeClr val="bg2">
-              <a:lumMod val="75000"/>
-            </a:schemeClr>
-          </a:solidFill>
-          <a:ln>
-            <a:solidFill>
-              <a:schemeClr val="bg2">
-                <a:lumMod val="50000"/>
-              </a:schemeClr>
-            </a:solidFill>
-          </a:ln>
-        </p:spPr>
-        <p:style>
-          <a:lnRef idx="2">
-            <a:schemeClr val="accent4"/>
-          </a:lnRef>
-          <a:fillRef idx="1">
-            <a:schemeClr val="lt1"/>
-          </a:fillRef>
-          <a:effectRef idx="0">
-            <a:schemeClr val="accent4"/>
-          </a:effectRef>
-          <a:fontRef idx="minor">
-            <a:schemeClr val="dk1"/>
-          </a:fontRef>
-        </p:style>
-        <p:txBody>
-          <a:bodyPr rtlCol="0" anchor="ctr"/>
-          <a:lstStyle/>
-          <a:p>
-            <a:pPr algn="ctr" defTabSz="872733"/>
-            <a:endParaRPr lang="en-US" sz="1500">
-              <a:solidFill>
-                <a:prstClr val="black"/>
-              </a:solidFill>
-            </a:endParaRPr>
-          </a:p>
-        </p:txBody>
-      </p:sp>
       <p:cxnSp>
         <p:nvCxnSpPr>
           <p:cNvPr id="54" name="Straight Connector 53">
@@ -5383,7 +5327,7 @@
         </p:nvCxnSpPr>
         <p:spPr>
           <a:xfrm rot="16200000" flipV="1">
-            <a:off x="5910005" y="5180922"/>
+            <a:off x="5890079" y="5209764"/>
             <a:ext cx="284430" cy="267655"/>
           </a:xfrm>
           <a:prstGeom prst="line">
@@ -5426,7 +5370,7 @@
         </p:nvCxnSpPr>
         <p:spPr>
           <a:xfrm rot="5400000">
-            <a:off x="5903415" y="5185416"/>
+            <a:off x="5883489" y="5214258"/>
             <a:ext cx="288175" cy="266007"/>
           </a:xfrm>
           <a:prstGeom prst="line">
@@ -5455,6 +5399,102 @@
           </a:fontRef>
         </p:style>
       </p:cxnSp>
+      <p:sp>
+        <p:nvSpPr>
+          <p:cNvPr id="30" name="Line 15">
+            <a:extLst>
+              <a:ext uri="{FF2B5EF4-FFF2-40B4-BE49-F238E27FC236}">
+                <a16:creationId xmlns:a16="http://schemas.microsoft.com/office/drawing/2014/main" id="{B478C78B-23E2-4109-AA21-0CDB391AD9A6}"/>
+              </a:ext>
+            </a:extLst>
+          </p:cNvPr>
+          <p:cNvSpPr>
+            <a:spLocks noChangeShapeType="1"/>
+          </p:cNvSpPr>
+          <p:nvPr/>
+        </p:nvSpPr>
+        <p:spPr bwMode="auto">
+          <a:xfrm flipH="1">
+            <a:off x="6036141" y="4618977"/>
+            <a:ext cx="2116147" cy="0"/>
+          </a:xfrm>
+          <a:prstGeom prst="line">
+            <a:avLst/>
+          </a:prstGeom>
+          <a:noFill/>
+          <a:ln w="19050">
+            <a:solidFill>
+              <a:schemeClr val="bg2">
+                <a:lumMod val="50000"/>
+              </a:schemeClr>
+            </a:solidFill>
+            <a:prstDash val="sysDash"/>
+            <a:round/>
+            <a:headEnd/>
+            <a:tailEnd type="triangle" w="lg" len="lg"/>
+          </a:ln>
+        </p:spPr>
+        <p:txBody>
+          <a:bodyPr/>
+          <a:lstStyle/>
+          <a:p>
+            <a:pPr defTabSz="872733"/>
+            <a:endParaRPr lang="en-US" sz="1500">
+              <a:solidFill>
+                <a:prstClr val="black"/>
+              </a:solidFill>
+            </a:endParaRPr>
+          </a:p>
+        </p:txBody>
+      </p:sp>
+      <p:sp>
+        <p:nvSpPr>
+          <p:cNvPr id="31" name="Line 15">
+            <a:extLst>
+              <a:ext uri="{FF2B5EF4-FFF2-40B4-BE49-F238E27FC236}">
+                <a16:creationId xmlns:a16="http://schemas.microsoft.com/office/drawing/2014/main" id="{876CDD5A-5C60-447B-86F0-DB90F3CF3B83}"/>
+              </a:ext>
+            </a:extLst>
+          </p:cNvPr>
+          <p:cNvSpPr>
+            <a:spLocks noChangeShapeType="1"/>
+          </p:cNvSpPr>
+          <p:nvPr/>
+        </p:nvSpPr>
+        <p:spPr bwMode="auto">
+          <a:xfrm flipH="1" flipV="1">
+            <a:off x="750682" y="4861856"/>
+            <a:ext cx="5288694" cy="0"/>
+          </a:xfrm>
+          <a:prstGeom prst="line">
+            <a:avLst/>
+          </a:prstGeom>
+          <a:noFill/>
+          <a:ln w="19050">
+            <a:solidFill>
+              <a:schemeClr val="accent3">
+                <a:lumMod val="75000"/>
+              </a:schemeClr>
+            </a:solidFill>
+            <a:prstDash val="sysDash"/>
+            <a:round/>
+            <a:headEnd/>
+            <a:tailEnd type="triangle" w="lg" len="lg"/>
+          </a:ln>
+        </p:spPr>
+        <p:txBody>
+          <a:bodyPr/>
+          <a:lstStyle/>
+          <a:p>
+            <a:pPr defTabSz="872733"/>
+            <a:endParaRPr lang="en-US" sz="1500">
+              <a:solidFill>
+                <a:prstClr val="black"/>
+              </a:solidFill>
+            </a:endParaRPr>
+          </a:p>
+        </p:txBody>
+      </p:sp>
     </p:spTree>
     <p:extLst>
       <p:ext uri="{BB962C8B-B14F-4D97-AF65-F5344CB8AC3E}">
@@ -5634,7 +5674,7 @@
                                           </p:stCondLst>
                                         </p:cTn>
                                         <p:tgtEl>
-                                          <p:spTgt spid="17"/>
+                                          <p:spTgt spid="18"/>
                                         </p:tgtEl>
                                         <p:attrNameLst>
                                           <p:attrName>style.visibility</p:attrName>
@@ -5661,7 +5701,7 @@
                                           </p:stCondLst>
                                         </p:cTn>
                                         <p:tgtEl>
-                                          <p:spTgt spid="18"/>
+                                          <p:spTgt spid="19"/>
                                         </p:tgtEl>
                                         <p:attrNameLst>
                                           <p:attrName>style.visibility</p:attrName>
@@ -5688,7 +5728,7 @@
                                           </p:stCondLst>
                                         </p:cTn>
                                         <p:tgtEl>
-                                          <p:spTgt spid="19"/>
+                                          <p:spTgt spid="20"/>
                                         </p:tgtEl>
                                         <p:attrNameLst>
                                           <p:attrName>style.visibility</p:attrName>
@@ -5715,7 +5755,7 @@
                                           </p:stCondLst>
                                         </p:cTn>
                                         <p:tgtEl>
-                                          <p:spTgt spid="20"/>
+                                          <p:spTgt spid="21"/>
                                         </p:tgtEl>
                                         <p:attrNameLst>
                                           <p:attrName>style.visibility</p:attrName>
@@ -5729,7 +5769,7 @@
                                 </p:cTn>
                               </p:par>
                               <p:par>
-                                <p:cTn id="23" presetID="1" presetClass="exit" presetSubtype="0" fill="hold" grpId="0" nodeType="withEffect">
+                                <p:cTn id="23" presetID="1" presetClass="exit" presetSubtype="0" fill="hold" grpId="1" nodeType="withEffect">
                                   <p:stCondLst>
                                     <p:cond delay="0"/>
                                   </p:stCondLst>
@@ -5742,7 +5782,7 @@
                                           </p:stCondLst>
                                         </p:cTn>
                                         <p:tgtEl>
-                                          <p:spTgt spid="21"/>
+                                          <p:spTgt spid="24"/>
                                         </p:tgtEl>
                                         <p:attrNameLst>
                                           <p:attrName>style.visibility</p:attrName>
@@ -5769,7 +5809,7 @@
                                           </p:stCondLst>
                                         </p:cTn>
                                         <p:tgtEl>
-                                          <p:spTgt spid="24"/>
+                                          <p:spTgt spid="25"/>
                                         </p:tgtEl>
                                         <p:attrNameLst>
                                           <p:attrName>style.visibility</p:attrName>
@@ -5796,7 +5836,7 @@
                                           </p:stCondLst>
                                         </p:cTn>
                                         <p:tgtEl>
-                                          <p:spTgt spid="25"/>
+                                          <p:spTgt spid="29"/>
                                         </p:tgtEl>
                                         <p:attrNameLst>
                                           <p:attrName>style.visibility</p:attrName>
@@ -5810,7 +5850,7 @@
                                 </p:cTn>
                               </p:par>
                               <p:par>
-                                <p:cTn id="29" presetID="1" presetClass="exit" presetSubtype="0" fill="hold" grpId="1" nodeType="withEffect">
+                                <p:cTn id="29" presetID="1" presetClass="exit" presetSubtype="0" fill="hold" grpId="0" nodeType="withEffect">
                                   <p:stCondLst>
                                     <p:cond delay="0"/>
                                   </p:stCondLst>
@@ -5823,7 +5863,7 @@
                                           </p:stCondLst>
                                         </p:cTn>
                                         <p:tgtEl>
-                                          <p:spTgt spid="29"/>
+                                          <p:spTgt spid="33"/>
                                         </p:tgtEl>
                                         <p:attrNameLst>
                                           <p:attrName>style.visibility</p:attrName>
@@ -5850,7 +5890,7 @@
                                           </p:stCondLst>
                                         </p:cTn>
                                         <p:tgtEl>
-                                          <p:spTgt spid="33"/>
+                                          <p:spTgt spid="34"/>
                                         </p:tgtEl>
                                         <p:attrNameLst>
                                           <p:attrName>style.visibility</p:attrName>
@@ -5877,7 +5917,7 @@
                                           </p:stCondLst>
                                         </p:cTn>
                                         <p:tgtEl>
-                                          <p:spTgt spid="34"/>
+                                          <p:spTgt spid="38"/>
                                         </p:tgtEl>
                                         <p:attrNameLst>
                                           <p:attrName>style.visibility</p:attrName>
@@ -5904,7 +5944,7 @@
                                           </p:stCondLst>
                                         </p:cTn>
                                         <p:tgtEl>
-                                          <p:spTgt spid="38"/>
+                                          <p:spTgt spid="42"/>
                                         </p:tgtEl>
                                         <p:attrNameLst>
                                           <p:attrName>style.visibility</p:attrName>
@@ -5931,60 +5971,6 @@
                                           </p:stCondLst>
                                         </p:cTn>
                                         <p:tgtEl>
-                                          <p:spTgt spid="40"/>
-                                        </p:tgtEl>
-                                        <p:attrNameLst>
-                                          <p:attrName>style.visibility</p:attrName>
-                                        </p:attrNameLst>
-                                      </p:cBhvr>
-                                      <p:to>
-                                        <p:strVal val="hidden"/>
-                                      </p:to>
-                                    </p:set>
-                                  </p:childTnLst>
-                                </p:cTn>
-                              </p:par>
-                              <p:par>
-                                <p:cTn id="39" presetID="1" presetClass="exit" presetSubtype="0" fill="hold" grpId="0" nodeType="withEffect">
-                                  <p:stCondLst>
-                                    <p:cond delay="0"/>
-                                  </p:stCondLst>
-                                  <p:childTnLst>
-                                    <p:set>
-                                      <p:cBhvr>
-                                        <p:cTn id="40" dur="1" fill="hold">
-                                          <p:stCondLst>
-                                            <p:cond delay="0"/>
-                                          </p:stCondLst>
-                                        </p:cTn>
-                                        <p:tgtEl>
-                                          <p:spTgt spid="42"/>
-                                        </p:tgtEl>
-                                        <p:attrNameLst>
-                                          <p:attrName>style.visibility</p:attrName>
-                                        </p:attrNameLst>
-                                      </p:cBhvr>
-                                      <p:to>
-                                        <p:strVal val="hidden"/>
-                                      </p:to>
-                                    </p:set>
-                                  </p:childTnLst>
-                                </p:cTn>
-                              </p:par>
-                              <p:par>
-                                <p:cTn id="41" presetID="1" presetClass="exit" presetSubtype="0" fill="hold" grpId="0" nodeType="withEffect">
-                                  <p:stCondLst>
-                                    <p:cond delay="0"/>
-                                  </p:stCondLst>
-                                  <p:childTnLst>
-                                    <p:set>
-                                      <p:cBhvr>
-                                        <p:cTn id="42" dur="1" fill="hold">
-                                          <p:stCondLst>
-                                            <p:cond delay="0"/>
-                                          </p:stCondLst>
-                                        </p:cTn>
-                                        <p:tgtEl>
                                           <p:spTgt spid="43"/>
                                         </p:tgtEl>
                                         <p:attrNameLst>
@@ -5998,8 +5984,53 @@
                                   </p:childTnLst>
                                 </p:cTn>
                               </p:par>
+                            </p:childTnLst>
+                          </p:cTn>
+                        </p:par>
+                      </p:childTnLst>
+                    </p:cTn>
+                  </p:par>
+                  <p:par>
+                    <p:cTn id="39" fill="hold">
+                      <p:stCondLst>
+                        <p:cond delay="indefinite"/>
+                      </p:stCondLst>
+                      <p:childTnLst>
+                        <p:par>
+                          <p:cTn id="40" fill="hold">
+                            <p:stCondLst>
+                              <p:cond delay="0"/>
+                            </p:stCondLst>
+                            <p:childTnLst>
                               <p:par>
-                                <p:cTn id="43" presetID="1" presetClass="exit" presetSubtype="0" fill="hold" grpId="0" nodeType="withEffect">
+                                <p:cTn id="41" presetID="1" presetClass="entr" presetSubtype="0" fill="hold" grpId="0" nodeType="clickEffect">
+                                  <p:stCondLst>
+                                    <p:cond delay="0"/>
+                                  </p:stCondLst>
+                                  <p:childTnLst>
+                                    <p:set>
+                                      <p:cBhvr>
+                                        <p:cTn id="42" dur="1" fill="hold">
+                                          <p:stCondLst>
+                                            <p:cond delay="0"/>
+                                          </p:stCondLst>
+                                        </p:cTn>
+                                        <p:tgtEl>
+                                          <p:spTgt spid="45"/>
+                                        </p:tgtEl>
+                                        <p:attrNameLst>
+                                          <p:attrName>style.visibility</p:attrName>
+                                        </p:attrNameLst>
+                                      </p:cBhvr>
+                                      <p:to>
+                                        <p:strVal val="visible"/>
+                                      </p:to>
+                                    </p:set>
+                                  </p:childTnLst>
+                                </p:cTn>
+                              </p:par>
+                              <p:par>
+                                <p:cTn id="43" presetID="1" presetClass="exit" presetSubtype="0" fill="hold" grpId="1" nodeType="withEffect">
                                   <p:stCondLst>
                                     <p:cond delay="0"/>
                                   </p:stCondLst>
@@ -6012,7 +6043,7 @@
                                           </p:stCondLst>
                                         </p:cTn>
                                         <p:tgtEl>
-                                          <p:spTgt spid="44"/>
+                                          <p:spTgt spid="45"/>
                                         </p:tgtEl>
                                         <p:attrNameLst>
                                           <p:attrName>style.visibility</p:attrName>
@@ -6057,7 +6088,7 @@
                                           </p:stCondLst>
                                         </p:cTn>
                                         <p:tgtEl>
-                                          <p:spTgt spid="45"/>
+                                          <p:spTgt spid="46"/>
                                         </p:tgtEl>
                                         <p:attrNameLst>
                                           <p:attrName>style.visibility</p:attrName>
@@ -6084,7 +6115,7 @@
                                           </p:stCondLst>
                                         </p:cTn>
                                         <p:tgtEl>
-                                          <p:spTgt spid="45"/>
+                                          <p:spTgt spid="46"/>
                                         </p:tgtEl>
                                         <p:attrNameLst>
                                           <p:attrName>style.visibility</p:attrName>
@@ -6097,39 +6128,21 @@
                                   </p:childTnLst>
                                 </p:cTn>
                               </p:par>
-                            </p:childTnLst>
-                          </p:cTn>
-                        </p:par>
-                      </p:childTnLst>
-                    </p:cTn>
-                  </p:par>
-                  <p:par>
-                    <p:cTn id="51" fill="hold">
-                      <p:stCondLst>
-                        <p:cond delay="indefinite"/>
-                      </p:stCondLst>
-                      <p:childTnLst>
-                        <p:par>
-                          <p:cTn id="52" fill="hold">
-                            <p:stCondLst>
-                              <p:cond delay="0"/>
-                            </p:stCondLst>
-                            <p:childTnLst>
                               <p:par>
-                                <p:cTn id="53" presetID="1" presetClass="entr" presetSubtype="0" fill="hold" grpId="0" nodeType="clickEffect">
+                                <p:cTn id="51" presetID="1" presetClass="entr" presetSubtype="0" fill="hold" grpId="0" nodeType="withEffect">
                                   <p:stCondLst>
                                     <p:cond delay="0"/>
                                   </p:stCondLst>
                                   <p:childTnLst>
                                     <p:set>
                                       <p:cBhvr>
-                                        <p:cTn id="54" dur="1" fill="hold">
+                                        <p:cTn id="52" dur="1" fill="hold">
                                           <p:stCondLst>
                                             <p:cond delay="0"/>
                                           </p:stCondLst>
                                         </p:cTn>
                                         <p:tgtEl>
-                                          <p:spTgt spid="46"/>
+                                          <p:spTgt spid="47"/>
                                         </p:tgtEl>
                                         <p:attrNameLst>
                                           <p:attrName>style.visibility</p:attrName>
@@ -6143,7 +6156,34 @@
                                 </p:cTn>
                               </p:par>
                               <p:par>
-                                <p:cTn id="55" presetID="1" presetClass="exit" presetSubtype="0" fill="hold" grpId="1" nodeType="withEffect">
+                                <p:cTn id="53" presetID="1" presetClass="exit" presetSubtype="0" fill="hold" grpId="1" nodeType="withEffect">
+                                  <p:stCondLst>
+                                    <p:cond delay="0"/>
+                                  </p:stCondLst>
+                                  <p:childTnLst>
+                                    <p:set>
+                                      <p:cBhvr>
+                                        <p:cTn id="54" dur="1" fill="hold">
+                                          <p:stCondLst>
+                                            <p:cond delay="0"/>
+                                          </p:stCondLst>
+                                        </p:cTn>
+                                        <p:tgtEl>
+                                          <p:spTgt spid="47"/>
+                                        </p:tgtEl>
+                                        <p:attrNameLst>
+                                          <p:attrName>style.visibility</p:attrName>
+                                        </p:attrNameLst>
+                                      </p:cBhvr>
+                                      <p:to>
+                                        <p:strVal val="hidden"/>
+                                      </p:to>
+                                    </p:set>
+                                  </p:childTnLst>
+                                </p:cTn>
+                              </p:par>
+                              <p:par>
+                                <p:cTn id="55" presetID="1" presetClass="exit" presetSubtype="0" fill="hold" grpId="0" nodeType="withEffect">
                                   <p:stCondLst>
                                     <p:cond delay="0"/>
                                   </p:stCondLst>
@@ -6156,7 +6196,7 @@
                                           </p:stCondLst>
                                         </p:cTn>
                                         <p:tgtEl>
-                                          <p:spTgt spid="46"/>
+                                          <p:spTgt spid="48"/>
                                         </p:tgtEl>
                                         <p:attrNameLst>
                                           <p:attrName>style.visibility</p:attrName>
@@ -6183,7 +6223,7 @@
                                           </p:stCondLst>
                                         </p:cTn>
                                         <p:tgtEl>
-                                          <p:spTgt spid="47"/>
+                                          <p:spTgt spid="51"/>
                                         </p:tgtEl>
                                         <p:attrNameLst>
                                           <p:attrName>style.visibility</p:attrName>
@@ -6210,7 +6250,7 @@
                                           </p:stCondLst>
                                         </p:cTn>
                                         <p:tgtEl>
-                                          <p:spTgt spid="47"/>
+                                          <p:spTgt spid="51"/>
                                         </p:tgtEl>
                                         <p:attrNameLst>
                                           <p:attrName>style.visibility</p:attrName>
@@ -6237,7 +6277,7 @@
                                           </p:stCondLst>
                                         </p:cTn>
                                         <p:tgtEl>
-                                          <p:spTgt spid="48"/>
+                                          <p:spTgt spid="52"/>
                                         </p:tgtEl>
                                         <p:attrNameLst>
                                           <p:attrName>style.visibility</p:attrName>
@@ -6250,21 +6290,39 @@
                                   </p:childTnLst>
                                 </p:cTn>
                               </p:par>
+                            </p:childTnLst>
+                          </p:cTn>
+                        </p:par>
+                      </p:childTnLst>
+                    </p:cTn>
+                  </p:par>
+                  <p:par>
+                    <p:cTn id="63" fill="hold">
+                      <p:stCondLst>
+                        <p:cond delay="indefinite"/>
+                      </p:stCondLst>
+                      <p:childTnLst>
+                        <p:par>
+                          <p:cTn id="64" fill="hold">
+                            <p:stCondLst>
+                              <p:cond delay="0"/>
+                            </p:stCondLst>
+                            <p:childTnLst>
                               <p:par>
-                                <p:cTn id="63" presetID="1" presetClass="entr" presetSubtype="0" fill="hold" grpId="0" nodeType="withEffect">
+                                <p:cTn id="65" presetID="1" presetClass="entr" presetSubtype="0" fill="hold" grpId="0" nodeType="clickEffect">
                                   <p:stCondLst>
                                     <p:cond delay="0"/>
                                   </p:stCondLst>
                                   <p:childTnLst>
                                     <p:set>
                                       <p:cBhvr>
-                                        <p:cTn id="64" dur="1" fill="hold">
+                                        <p:cTn id="66" dur="1" fill="hold">
                                           <p:stCondLst>
                                             <p:cond delay="0"/>
                                           </p:stCondLst>
                                         </p:cTn>
                                         <p:tgtEl>
-                                          <p:spTgt spid="51"/>
+                                          <p:spTgt spid="30"/>
                                         </p:tgtEl>
                                         <p:attrNameLst>
                                           <p:attrName>style.visibility</p:attrName>
@@ -6278,20 +6336,20 @@
                                 </p:cTn>
                               </p:par>
                               <p:par>
-                                <p:cTn id="65" presetID="1" presetClass="exit" presetSubtype="0" fill="hold" grpId="1" nodeType="withEffect">
+                                <p:cTn id="67" presetID="1" presetClass="exit" presetSubtype="0" fill="hold" grpId="1" nodeType="withEffect">
                                   <p:stCondLst>
                                     <p:cond delay="0"/>
                                   </p:stCondLst>
                                   <p:childTnLst>
                                     <p:set>
                                       <p:cBhvr>
-                                        <p:cTn id="66" dur="1" fill="hold">
+                                        <p:cTn id="68" dur="1" fill="hold">
                                           <p:stCondLst>
                                             <p:cond delay="0"/>
                                           </p:stCondLst>
                                         </p:cTn>
                                         <p:tgtEl>
-                                          <p:spTgt spid="51"/>
+                                          <p:spTgt spid="30"/>
                                         </p:tgtEl>
                                         <p:attrNameLst>
                                           <p:attrName>style.visibility</p:attrName>
@@ -6304,48 +6362,66 @@
                                   </p:childTnLst>
                                 </p:cTn>
                               </p:par>
+                            </p:childTnLst>
+                          </p:cTn>
+                        </p:par>
+                      </p:childTnLst>
+                    </p:cTn>
+                  </p:par>
+                  <p:par>
+                    <p:cTn id="69" fill="hold">
+                      <p:stCondLst>
+                        <p:cond delay="indefinite"/>
+                      </p:stCondLst>
+                      <p:childTnLst>
+                        <p:par>
+                          <p:cTn id="70" fill="hold">
+                            <p:stCondLst>
+                              <p:cond delay="0"/>
+                            </p:stCondLst>
+                            <p:childTnLst>
                               <p:par>
-                                <p:cTn id="67" presetID="1" presetClass="exit" presetSubtype="0" fill="hold" grpId="0" nodeType="withEffect">
+                                <p:cTn id="71" presetID="1" presetClass="entr" presetSubtype="0" fill="hold" grpId="0" nodeType="clickEffect">
                                   <p:stCondLst>
                                     <p:cond delay="0"/>
                                   </p:stCondLst>
                                   <p:childTnLst>
                                     <p:set>
                                       <p:cBhvr>
-                                        <p:cTn id="68" dur="1" fill="hold">
+                                        <p:cTn id="72" dur="1" fill="hold">
                                           <p:stCondLst>
                                             <p:cond delay="0"/>
                                           </p:stCondLst>
                                         </p:cTn>
                                         <p:tgtEl>
-                                          <p:spTgt spid="52"/>
+                                          <p:spTgt spid="31"/>
                                         </p:tgtEl>
                                         <p:attrNameLst>
                                           <p:attrName>style.visibility</p:attrName>
                                         </p:attrNameLst>
                                       </p:cBhvr>
                                       <p:to>
-                                        <p:strVal val="hidden"/>
+                                        <p:strVal val="visible"/>
                                       </p:to>
                                     </p:set>
                                   </p:childTnLst>
                                 </p:cTn>
                               </p:par>
                               <p:par>
-                                <p:cTn id="69" presetID="1" presetClass="exit" presetSubtype="0" fill="hold" grpId="0" nodeType="withEffect">
+                                <p:cTn id="73" presetID="1" presetClass="exit" presetSubtype="0" fill="hold" grpId="1" nodeType="withEffect">
                                   <p:stCondLst>
                                     <p:cond delay="0"/>
                                   </p:stCondLst>
                                   <p:childTnLst>
                                     <p:set>
                                       <p:cBhvr>
-                                        <p:cTn id="70" dur="1" fill="hold">
+                                        <p:cTn id="74" dur="1" fill="hold">
                                           <p:stCondLst>
                                             <p:cond delay="0"/>
                                           </p:stCondLst>
                                         </p:cTn>
                                         <p:tgtEl>
-                                          <p:spTgt spid="53"/>
+                                          <p:spTgt spid="31"/>
                                         </p:tgtEl>
                                         <p:attrNameLst>
                                           <p:attrName>style.visibility</p:attrName>
@@ -6388,7 +6464,6 @@
     <p:bldLst>
       <p:bldP spid="5" grpId="0" animBg="1"/>
       <p:bldP spid="6" grpId="0" animBg="1"/>
-      <p:bldP spid="17" grpId="0" animBg="1"/>
       <p:bldP spid="18" grpId="0" animBg="1"/>
       <p:bldP spid="19" grpId="0" animBg="1"/>
       <p:bldP spid="20" grpId="0" animBg="1"/>
@@ -6402,10 +6477,8 @@
       <p:bldP spid="33" grpId="0" animBg="1"/>
       <p:bldP spid="34" grpId="0" animBg="1"/>
       <p:bldP spid="38" grpId="0"/>
-      <p:bldP spid="40" grpId="0" animBg="1"/>
       <p:bldP spid="42" grpId="0" animBg="1"/>
       <p:bldP spid="43" grpId="0" animBg="1"/>
-      <p:bldP spid="44" grpId="0" animBg="1"/>
       <p:bldP spid="45" grpId="0" animBg="1"/>
       <p:bldP spid="45" grpId="1" animBg="1"/>
       <p:bldP spid="46" grpId="0" animBg="1"/>
@@ -6416,7 +6489,10 @@
       <p:bldP spid="51" grpId="0"/>
       <p:bldP spid="51" grpId="1"/>
       <p:bldP spid="52" grpId="0" animBg="1"/>
-      <p:bldP spid="53" grpId="0" animBg="1"/>
+      <p:bldP spid="30" grpId="0" animBg="1"/>
+      <p:bldP spid="30" grpId="1" animBg="1"/>
+      <p:bldP spid="31" grpId="0" animBg="1"/>
+      <p:bldP spid="31" grpId="1" animBg="1"/>
     </p:bldLst>
   </p:timing>
 </p:sld>
